--- a/trunk/docs/presentation/presentation.pptx
+++ b/trunk/docs/presentation/presentation.pptx
@@ -10,14 +10,13 @@
     <p:sldId id="267" r:id="rId4"/>
     <p:sldId id="268" r:id="rId5"/>
     <p:sldId id="258" r:id="rId6"/>
-    <p:sldId id="259" r:id="rId7"/>
-    <p:sldId id="260" r:id="rId8"/>
-    <p:sldId id="263" r:id="rId9"/>
-    <p:sldId id="261" r:id="rId10"/>
-    <p:sldId id="264" r:id="rId11"/>
-    <p:sldId id="262" r:id="rId12"/>
-    <p:sldId id="265" r:id="rId13"/>
-    <p:sldId id="266" r:id="rId14"/>
+    <p:sldId id="260" r:id="rId7"/>
+    <p:sldId id="263" r:id="rId8"/>
+    <p:sldId id="261" r:id="rId9"/>
+    <p:sldId id="264" r:id="rId10"/>
+    <p:sldId id="262" r:id="rId11"/>
+    <p:sldId id="265" r:id="rId12"/>
+    <p:sldId id="266" r:id="rId13"/>
   </p:sldIdLst>
   <p:sldSz cx="9144000" cy="6858000" type="screen4x3"/>
   <p:notesSz cx="6858000" cy="9144000"/>
@@ -3228,7 +3227,7 @@
           <a:p>
             <a:r>
               <a:rPr lang="en-US" dirty="0" smtClean="0"/>
-              <a:t>Extensions</a:t>
+              <a:t>Evaluation</a:t>
             </a:r>
             <a:endParaRPr lang="en-US" dirty="0"/>
           </a:p>
@@ -3295,7 +3294,7 @@
           <a:p>
             <a:r>
               <a:rPr lang="en-US" dirty="0" smtClean="0"/>
-              <a:t>Evaluation</a:t>
+              <a:t>Results</a:t>
             </a:r>
             <a:endParaRPr lang="en-US" dirty="0"/>
           </a:p>
@@ -3362,73 +3361,6 @@
           <a:p>
             <a:r>
               <a:rPr lang="en-US" dirty="0" smtClean="0"/>
-              <a:t>Results</a:t>
-            </a:r>
-            <a:endParaRPr lang="en-US" dirty="0"/>
-          </a:p>
-        </p:txBody>
-      </p:sp>
-      <p:sp>
-        <p:nvSpPr>
-          <p:cNvPr id="3" name="Content Placeholder 2"/>
-          <p:cNvSpPr>
-            <a:spLocks noGrp="1"/>
-          </p:cNvSpPr>
-          <p:nvPr>
-            <p:ph idx="1"/>
-          </p:nvPr>
-        </p:nvSpPr>
-        <p:spPr/>
-        <p:txBody>
-          <a:bodyPr/>
-          <a:lstStyle/>
-          <a:p>
-            <a:endParaRPr lang="en-US"/>
-          </a:p>
-        </p:txBody>
-      </p:sp>
-    </p:spTree>
-  </p:cSld>
-  <p:clrMapOvr>
-    <a:masterClrMapping/>
-  </p:clrMapOvr>
-</p:sld>
-</file>
-
-<file path=ppt/slides/slide13.xml><?xml version="1.0" encoding="utf-8"?>
-<p:sld xmlns:a="http://schemas.openxmlformats.org/drawingml/2006/main" xmlns:r="http://schemas.openxmlformats.org/officeDocument/2006/relationships" xmlns:mc="http://schemas.openxmlformats.org/markup-compatibility/2006" xmlns:mv="urn:schemas-microsoft-com:mac:vml" xmlns:p="http://schemas.openxmlformats.org/presentationml/2006/main" mc:Ignorable="mv" mc:PreserveAttributes="mv:*">
-  <p:cSld>
-    <p:spTree>
-      <p:nvGrpSpPr>
-        <p:cNvPr id="1" name=""/>
-        <p:cNvGrpSpPr/>
-        <p:nvPr/>
-      </p:nvGrpSpPr>
-      <p:grpSpPr>
-        <a:xfrm>
-          <a:off x="0" y="0"/>
-          <a:ext cx="0" cy="0"/>
-          <a:chOff x="0" y="0"/>
-          <a:chExt cx="0" cy="0"/>
-        </a:xfrm>
-      </p:grpSpPr>
-      <p:sp>
-        <p:nvSpPr>
-          <p:cNvPr id="2" name="Title 1"/>
-          <p:cNvSpPr>
-            <a:spLocks noGrp="1"/>
-          </p:cNvSpPr>
-          <p:nvPr>
-            <p:ph type="title"/>
-          </p:nvPr>
-        </p:nvSpPr>
-        <p:spPr/>
-        <p:txBody>
-          <a:bodyPr/>
-          <a:lstStyle/>
-          <a:p>
-            <a:r>
-              <a:rPr lang="en-US" dirty="0" smtClean="0"/>
               <a:t>Conclusions</a:t>
             </a:r>
             <a:endParaRPr lang="en-US" dirty="0"/>
@@ -4102,7 +4034,7 @@
           <a:p>
             <a:r>
               <a:rPr lang="en-US" dirty="0" smtClean="0"/>
-              <a:t>Planning </a:t>
+              <a:t>Path Planning </a:t>
             </a:r>
             <a:r>
               <a:rPr lang="en-US" sz="3600" dirty="0" smtClean="0"/>
@@ -4821,7 +4753,7 @@
           <a:p>
             <a:r>
               <a:rPr lang="en-US" dirty="0" smtClean="0"/>
-              <a:t>Path Planning</a:t>
+              <a:t>Extensions</a:t>
             </a:r>
             <a:endParaRPr lang="en-US" dirty="0"/>
           </a:p>
@@ -4895,7 +4827,7 @@
           <a:p>
             <a:r>
               <a:rPr lang="en-US" dirty="0" smtClean="0"/>
-              <a:t>Extensions</a:t>
+              <a:t>Evaluation</a:t>
             </a:r>
             <a:endParaRPr lang="en-US" dirty="0"/>
           </a:p>
@@ -4916,7 +4848,11 @@
           <a:bodyPr/>
           <a:lstStyle/>
           <a:p>
-            <a:endParaRPr lang="en-US"/>
+            <a:r>
+              <a:rPr lang="en-US" dirty="0" smtClean="0"/>
+              <a:t>How we evaluated stuff</a:t>
+            </a:r>
+            <a:endParaRPr lang="en-US" dirty="0"/>
           </a:p>
         </p:txBody>
       </p:sp>
@@ -4962,7 +4898,7 @@
           <a:p>
             <a:r>
               <a:rPr lang="en-US" dirty="0" smtClean="0"/>
-              <a:t>Evaluation</a:t>
+              <a:t>Results</a:t>
             </a:r>
             <a:endParaRPr lang="en-US" dirty="0"/>
           </a:p>
@@ -4983,7 +4919,11 @@
           <a:bodyPr/>
           <a:lstStyle/>
           <a:p>
-            <a:endParaRPr lang="en-US"/>
+            <a:r>
+              <a:rPr lang="en-US" dirty="0" smtClean="0"/>
+              <a:t>Pretty graphs and maps</a:t>
+            </a:r>
+            <a:endParaRPr lang="en-US" dirty="0"/>
           </a:p>
         </p:txBody>
       </p:sp>
@@ -5029,7 +4969,7 @@
           <a:p>
             <a:r>
               <a:rPr lang="en-US" dirty="0" smtClean="0"/>
-              <a:t>Results</a:t>
+              <a:t>Path Re-Planning</a:t>
             </a:r>
             <a:endParaRPr lang="en-US" dirty="0"/>
           </a:p>
@@ -5096,7 +5036,7 @@
           <a:p>
             <a:r>
               <a:rPr lang="en-US" dirty="0" smtClean="0"/>
-              <a:t>Path Re-Planning</a:t>
+              <a:t>Extensions</a:t>
             </a:r>
             <a:endParaRPr lang="en-US" dirty="0"/>
           </a:p>
